--- a/project-01.pptx
+++ b/project-01.pptx
@@ -25,6 +25,7 @@
     <p:sldId id="272" r:id="rId19"/>
     <p:sldId id="273" r:id="rId20"/>
     <p:sldId id="274" r:id="rId21"/>
+    <p:sldId id="284" r:id="rId22"/>
   </p:sldIdLst>
   <p:sldSz cx="12192000" cy="6858000"/>
   <p:notesSz cx="6858000" cy="9144000"/>
@@ -124,11 +125,56 @@
     </a:lvl9pPr>
   </p:defaultTextStyle>
   <p:extLst>
+    <p:ext uri="{521415D9-36F7-43E2-AB2F-B90AF26B5E84}">
+      <p14:sectionLst xmlns:p14="http://schemas.microsoft.com/office/powerpoint/2010/main">
+        <p14:section name="Default Section" id="{E848F0A3-89C6-41DA-89A5-5CE01A669809}">
+          <p14:sldIdLst>
+            <p14:sldId id="279"/>
+            <p14:sldId id="264"/>
+            <p14:sldId id="282"/>
+            <p14:sldId id="258"/>
+            <p14:sldId id="259"/>
+            <p14:sldId id="260"/>
+            <p14:sldId id="261"/>
+            <p14:sldId id="262"/>
+            <p14:sldId id="263"/>
+            <p14:sldId id="265"/>
+            <p14:sldId id="266"/>
+            <p14:sldId id="267"/>
+            <p14:sldId id="268"/>
+            <p14:sldId id="276"/>
+            <p14:sldId id="269"/>
+            <p14:sldId id="270"/>
+            <p14:sldId id="283"/>
+            <p14:sldId id="272"/>
+            <p14:sldId id="273"/>
+            <p14:sldId id="274"/>
+          </p14:sldIdLst>
+        </p14:section>
+        <p14:section name="." id="{17125E60-8F31-4DD2-944E-8DDA94BB97C0}">
+          <p14:sldIdLst>
+            <p14:sldId id="284"/>
+          </p14:sldIdLst>
+        </p14:section>
+      </p14:sectionLst>
+    </p:ext>
     <p:ext uri="{EFAFB233-063F-42B5-8137-9DF3F51BA10A}">
       <p15:sldGuideLst xmlns:p15="http://schemas.microsoft.com/office/powerpoint/2012/main"/>
     </p:ext>
   </p:extLst>
 </p:presentation>
+</file>
+
+<file path=ppt/commentAuthors.xml><?xml version="1.0" encoding="utf-8"?>
+<p:cmAuthorLst xmlns:a="http://schemas.openxmlformats.org/drawingml/2006/main" xmlns:r="http://schemas.openxmlformats.org/officeDocument/2006/relationships" xmlns:p="http://schemas.openxmlformats.org/presentationml/2006/main">
+  <p:cmAuthor id="1" name="Sai" initials="S" lastIdx="1" clrIdx="0">
+    <p:extLst>
+      <p:ext uri="{19B8F6BF-5375-455C-9EA6-DF929625EA0E}">
+        <p15:presenceInfo xmlns:p15="http://schemas.microsoft.com/office/powerpoint/2012/main" userId="ae247cf411b18801" providerId="Windows Live"/>
+      </p:ext>
+    </p:extLst>
+  </p:cmAuthor>
+</p:cmAuthorLst>
 </file>
 
 <file path=ppt/slideLayouts/slideLayout1.xml><?xml version="1.0" encoding="utf-8"?>
@@ -7086,6 +7132,178 @@
 </p:sld>
 </file>
 
+<file path=ppt/slides/slide21.xml><?xml version="1.0" encoding="utf-8"?>
+<p:sld xmlns:a="http://schemas.openxmlformats.org/drawingml/2006/main" xmlns:r="http://schemas.openxmlformats.org/officeDocument/2006/relationships" xmlns:p="http://schemas.openxmlformats.org/presentationml/2006/main">
+  <p:cSld>
+    <p:spTree>
+      <p:nvGrpSpPr>
+        <p:cNvPr id="1" name=""/>
+        <p:cNvGrpSpPr/>
+        <p:nvPr/>
+      </p:nvGrpSpPr>
+      <p:grpSpPr>
+        <a:xfrm>
+          <a:off x="0" y="0"/>
+          <a:ext cx="0" cy="0"/>
+          <a:chOff x="0" y="0"/>
+          <a:chExt cx="0" cy="0"/>
+        </a:xfrm>
+      </p:grpSpPr>
+      <p:sp>
+        <p:nvSpPr>
+          <p:cNvPr id="5" name="TextBox 4">
+            <a:extLst>
+              <a:ext uri="{FF2B5EF4-FFF2-40B4-BE49-F238E27FC236}">
+                <a16:creationId xmlns:a16="http://schemas.microsoft.com/office/drawing/2014/main" id="{0A3C11FA-C681-4519-8EB2-A27A9AB4E55F}"/>
+              </a:ext>
+            </a:extLst>
+          </p:cNvPr>
+          <p:cNvSpPr txBox="1"/>
+          <p:nvPr/>
+        </p:nvSpPr>
+        <p:spPr>
+          <a:xfrm>
+            <a:off x="2919368" y="352228"/>
+            <a:ext cx="6660859" cy="369332"/>
+          </a:xfrm>
+          <a:prstGeom prst="rect">
+            <a:avLst/>
+          </a:prstGeom>
+          <a:noFill/>
+        </p:spPr>
+        <p:txBody>
+          <a:bodyPr wrap="square">
+            <a:spAutoFit/>
+          </a:bodyPr>
+          <a:lstStyle/>
+          <a:p>
+            <a:r>
+              <a:rPr lang="en-IN" dirty="0"/>
+              <a:t>https://github.com/Saidinesh132/project-01</a:t>
+            </a:r>
+          </a:p>
+        </p:txBody>
+      </p:sp>
+      <p:sp>
+        <p:nvSpPr>
+          <p:cNvPr id="7" name="TextBox 6">
+            <a:extLst>
+              <a:ext uri="{FF2B5EF4-FFF2-40B4-BE49-F238E27FC236}">
+                <a16:creationId xmlns:a16="http://schemas.microsoft.com/office/drawing/2014/main" id="{4369B88B-296B-411C-8472-50E215243A35}"/>
+              </a:ext>
+            </a:extLst>
+          </p:cNvPr>
+          <p:cNvSpPr txBox="1"/>
+          <p:nvPr/>
+        </p:nvSpPr>
+        <p:spPr>
+          <a:xfrm>
+            <a:off x="2912377" y="2172749"/>
+            <a:ext cx="6367245" cy="369332"/>
+          </a:xfrm>
+          <a:prstGeom prst="rect">
+            <a:avLst/>
+          </a:prstGeom>
+          <a:noFill/>
+        </p:spPr>
+        <p:txBody>
+          <a:bodyPr wrap="square">
+            <a:spAutoFit/>
+          </a:bodyPr>
+          <a:lstStyle/>
+          <a:p>
+            <a:r>
+              <a:rPr lang="en-IN" dirty="0"/>
+              <a:t>https://tinyurl.com/4atfvvj6</a:t>
+            </a:r>
+          </a:p>
+        </p:txBody>
+      </p:sp>
+      <p:sp>
+        <p:nvSpPr>
+          <p:cNvPr id="8" name="TextBox 7">
+            <a:extLst>
+              <a:ext uri="{FF2B5EF4-FFF2-40B4-BE49-F238E27FC236}">
+                <a16:creationId xmlns:a16="http://schemas.microsoft.com/office/drawing/2014/main" id="{406EC278-5E27-4F14-BEB7-588CBE3C3FFD}"/>
+              </a:ext>
+            </a:extLst>
+          </p:cNvPr>
+          <p:cNvSpPr txBox="1"/>
+          <p:nvPr/>
+        </p:nvSpPr>
+        <p:spPr>
+          <a:xfrm>
+            <a:off x="1853968" y="352228"/>
+            <a:ext cx="1157680" cy="369332"/>
+          </a:xfrm>
+          <a:prstGeom prst="rect">
+            <a:avLst/>
+          </a:prstGeom>
+          <a:noFill/>
+        </p:spPr>
+        <p:txBody>
+          <a:bodyPr wrap="square" rtlCol="0">
+            <a:spAutoFit/>
+          </a:bodyPr>
+          <a:lstStyle/>
+          <a:p>
+            <a:r>
+              <a:rPr lang="en-US" dirty="0"/>
+              <a:t>GITHUB : </a:t>
+            </a:r>
+            <a:endParaRPr lang="en-IN" dirty="0"/>
+          </a:p>
+        </p:txBody>
+      </p:sp>
+      <p:sp>
+        <p:nvSpPr>
+          <p:cNvPr id="9" name="TextBox 8">
+            <a:extLst>
+              <a:ext uri="{FF2B5EF4-FFF2-40B4-BE49-F238E27FC236}">
+                <a16:creationId xmlns:a16="http://schemas.microsoft.com/office/drawing/2014/main" id="{70EB6D7A-F030-42D4-9644-F2BCCB6B8654}"/>
+              </a:ext>
+            </a:extLst>
+          </p:cNvPr>
+          <p:cNvSpPr txBox="1"/>
+          <p:nvPr/>
+        </p:nvSpPr>
+        <p:spPr>
+          <a:xfrm>
+            <a:off x="1652632" y="2172749"/>
+            <a:ext cx="1367405" cy="369332"/>
+          </a:xfrm>
+          <a:prstGeom prst="rect">
+            <a:avLst/>
+          </a:prstGeom>
+          <a:noFill/>
+        </p:spPr>
+        <p:txBody>
+          <a:bodyPr wrap="square" rtlCol="0">
+            <a:spAutoFit/>
+          </a:bodyPr>
+          <a:lstStyle/>
+          <a:p>
+            <a:r>
+              <a:rPr lang="en-US" dirty="0"/>
+              <a:t>Tiny URL : </a:t>
+            </a:r>
+            <a:endParaRPr lang="en-IN" dirty="0"/>
+          </a:p>
+        </p:txBody>
+      </p:sp>
+    </p:spTree>
+    <p:extLst>
+      <p:ext uri="{BB962C8B-B14F-4D97-AF65-F5344CB8AC3E}">
+        <p14:creationId xmlns:p14="http://schemas.microsoft.com/office/powerpoint/2010/main" val="1510478492"/>
+      </p:ext>
+    </p:extLst>
+  </p:cSld>
+  <p:clrMapOvr>
+    <a:masterClrMapping/>
+  </p:clrMapOvr>
+</p:sld>
+</file>
+
 <file path=ppt/slides/slide3.xml><?xml version="1.0" encoding="utf-8"?>
 <p:sld xmlns:a="http://schemas.openxmlformats.org/drawingml/2006/main" xmlns:r="http://schemas.openxmlformats.org/officeDocument/2006/relationships" xmlns:p="http://schemas.openxmlformats.org/presentationml/2006/main">
   <p:cSld>
